--- a/Chapter3/Figures/Fig3.pptx
+++ b/Chapter3/Figures/Fig3.pptx
@@ -288,7 +288,7 @@
           <a:p>
             <a:fld id="{8E6F5289-16AC-4AFB-8219-73E3F0F4732F}" type="datetimeFigureOut">
               <a:rPr lang="en-GB" smtClean="0"/>
-              <a:t>12/06/2014</a:t>
+              <a:t>13/07/2014</a:t>
             </a:fld>
             <a:endParaRPr lang="en-GB"/>
           </a:p>
@@ -458,7 +458,7 @@
           <a:p>
             <a:fld id="{8E6F5289-16AC-4AFB-8219-73E3F0F4732F}" type="datetimeFigureOut">
               <a:rPr lang="en-GB" smtClean="0"/>
-              <a:t>12/06/2014</a:t>
+              <a:t>13/07/2014</a:t>
             </a:fld>
             <a:endParaRPr lang="en-GB"/>
           </a:p>
@@ -638,7 +638,7 @@
           <a:p>
             <a:fld id="{8E6F5289-16AC-4AFB-8219-73E3F0F4732F}" type="datetimeFigureOut">
               <a:rPr lang="en-GB" smtClean="0"/>
-              <a:t>12/06/2014</a:t>
+              <a:t>13/07/2014</a:t>
             </a:fld>
             <a:endParaRPr lang="en-GB"/>
           </a:p>
@@ -808,7 +808,7 @@
           <a:p>
             <a:fld id="{8E6F5289-16AC-4AFB-8219-73E3F0F4732F}" type="datetimeFigureOut">
               <a:rPr lang="en-GB" smtClean="0"/>
-              <a:t>12/06/2014</a:t>
+              <a:t>13/07/2014</a:t>
             </a:fld>
             <a:endParaRPr lang="en-GB"/>
           </a:p>
@@ -1054,7 +1054,7 @@
           <a:p>
             <a:fld id="{8E6F5289-16AC-4AFB-8219-73E3F0F4732F}" type="datetimeFigureOut">
               <a:rPr lang="en-GB" smtClean="0"/>
-              <a:t>12/06/2014</a:t>
+              <a:t>13/07/2014</a:t>
             </a:fld>
             <a:endParaRPr lang="en-GB"/>
           </a:p>
@@ -1342,7 +1342,7 @@
           <a:p>
             <a:fld id="{8E6F5289-16AC-4AFB-8219-73E3F0F4732F}" type="datetimeFigureOut">
               <a:rPr lang="en-GB" smtClean="0"/>
-              <a:t>12/06/2014</a:t>
+              <a:t>13/07/2014</a:t>
             </a:fld>
             <a:endParaRPr lang="en-GB"/>
           </a:p>
@@ -1764,7 +1764,7 @@
           <a:p>
             <a:fld id="{8E6F5289-16AC-4AFB-8219-73E3F0F4732F}" type="datetimeFigureOut">
               <a:rPr lang="en-GB" smtClean="0"/>
-              <a:t>12/06/2014</a:t>
+              <a:t>13/07/2014</a:t>
             </a:fld>
             <a:endParaRPr lang="en-GB"/>
           </a:p>
@@ -1882,7 +1882,7 @@
           <a:p>
             <a:fld id="{8E6F5289-16AC-4AFB-8219-73E3F0F4732F}" type="datetimeFigureOut">
               <a:rPr lang="en-GB" smtClean="0"/>
-              <a:t>12/06/2014</a:t>
+              <a:t>13/07/2014</a:t>
             </a:fld>
             <a:endParaRPr lang="en-GB"/>
           </a:p>
@@ -1977,7 +1977,7 @@
           <a:p>
             <a:fld id="{8E6F5289-16AC-4AFB-8219-73E3F0F4732F}" type="datetimeFigureOut">
               <a:rPr lang="en-GB" smtClean="0"/>
-              <a:t>12/06/2014</a:t>
+              <a:t>13/07/2014</a:t>
             </a:fld>
             <a:endParaRPr lang="en-GB"/>
           </a:p>
@@ -2254,7 +2254,7 @@
           <a:p>
             <a:fld id="{8E6F5289-16AC-4AFB-8219-73E3F0F4732F}" type="datetimeFigureOut">
               <a:rPr lang="en-GB" smtClean="0"/>
-              <a:t>12/06/2014</a:t>
+              <a:t>13/07/2014</a:t>
             </a:fld>
             <a:endParaRPr lang="en-GB"/>
           </a:p>
@@ -2507,7 +2507,7 @@
           <a:p>
             <a:fld id="{8E6F5289-16AC-4AFB-8219-73E3F0F4732F}" type="datetimeFigureOut">
               <a:rPr lang="en-GB" smtClean="0"/>
-              <a:t>12/06/2014</a:t>
+              <a:t>13/07/2014</a:t>
             </a:fld>
             <a:endParaRPr lang="en-GB"/>
           </a:p>
@@ -2720,7 +2720,7 @@
           <a:p>
             <a:fld id="{8E6F5289-16AC-4AFB-8219-73E3F0F4732F}" type="datetimeFigureOut">
               <a:rPr lang="en-GB" smtClean="0"/>
-              <a:t>12/06/2014</a:t>
+              <a:t>13/07/2014</a:t>
             </a:fld>
             <a:endParaRPr lang="en-GB"/>
           </a:p>
@@ -4747,8 +4747,8 @@
         </p:nvSpPr>
         <p:spPr>
           <a:xfrm>
-            <a:off x="5832723" y="162911"/>
-            <a:ext cx="792163" cy="507831"/>
+            <a:off x="5790191" y="162911"/>
+            <a:ext cx="980403" cy="507831"/>
           </a:xfrm>
           <a:prstGeom prst="rect">
             <a:avLst/>
@@ -4762,9 +4762,10 @@
           <a:lstStyle/>
           <a:p>
             <a:r>
-              <a:rPr lang="en-GB" sz="2700" dirty="0"/>
-              <a:t>0</a:t>
-            </a:r>
+              <a:rPr lang="en-GB" sz="2700" dirty="0" smtClean="0"/>
+              <a:t>n = 0</a:t>
+            </a:r>
+            <a:endParaRPr lang="en-GB" sz="2700" dirty="0"/>
           </a:p>
         </p:txBody>
       </p:sp>
